--- a/Weekly Updates/Updates.pptx
+++ b/Weekly Updates/Updates.pptx
@@ -4092,19 +4092,7 @@
               <a:rPr lang="en-US" dirty="0">
                 <a:cs typeface="Calibri"/>
               </a:rPr>
-              <a:t>Need </a:t>
-            </a:r>
-            <a:r>
-              <a:rPr lang="en-US">
-                <a:cs typeface="Calibri"/>
-              </a:rPr>
-              <a:t>to develop method </a:t>
-            </a:r>
-            <a:r>
-              <a:rPr lang="en-US" dirty="0">
-                <a:cs typeface="Calibri"/>
-              </a:rPr>
-              <a:t>to generate ratings using these datasets</a:t>
+              <a:t>Need to develop method to generate ratings using these datasets</a:t>
             </a:r>
           </a:p>
         </p:txBody>
